--- a/AI-of-FTG/DQN圖片.pptx
+++ b/AI-of-FTG/DQN圖片.pptx
@@ -10,6 +10,7 @@
     <p:sldId id="258" r:id="rId4"/>
     <p:sldId id="259" r:id="rId5"/>
     <p:sldId id="260" r:id="rId6"/>
+    <p:sldId id="261" r:id="rId7"/>
   </p:sldIdLst>
   <p:sldSz cx="12192000" cy="6858000"/>
   <p:notesSz cx="6858000" cy="9144000"/>
@@ -247,7 +248,7 @@
           <a:p>
             <a:fld id="{50C4901D-F580-4495-8F7C-6A1D98C51058}" type="datetimeFigureOut">
               <a:rPr lang="zh-TW" altLang="en-US" smtClean="0"/>
-              <a:t>2019/12/1</a:t>
+              <a:t>2019/12/4</a:t>
             </a:fld>
             <a:endParaRPr lang="zh-TW" altLang="en-US"/>
           </a:p>
@@ -417,7 +418,7 @@
           <a:p>
             <a:fld id="{50C4901D-F580-4495-8F7C-6A1D98C51058}" type="datetimeFigureOut">
               <a:rPr lang="zh-TW" altLang="en-US" smtClean="0"/>
-              <a:t>2019/12/1</a:t>
+              <a:t>2019/12/4</a:t>
             </a:fld>
             <a:endParaRPr lang="zh-TW" altLang="en-US"/>
           </a:p>
@@ -597,7 +598,7 @@
           <a:p>
             <a:fld id="{50C4901D-F580-4495-8F7C-6A1D98C51058}" type="datetimeFigureOut">
               <a:rPr lang="zh-TW" altLang="en-US" smtClean="0"/>
-              <a:t>2019/12/1</a:t>
+              <a:t>2019/12/4</a:t>
             </a:fld>
             <a:endParaRPr lang="zh-TW" altLang="en-US"/>
           </a:p>
@@ -767,7 +768,7 @@
           <a:p>
             <a:fld id="{50C4901D-F580-4495-8F7C-6A1D98C51058}" type="datetimeFigureOut">
               <a:rPr lang="zh-TW" altLang="en-US" smtClean="0"/>
-              <a:t>2019/12/1</a:t>
+              <a:t>2019/12/4</a:t>
             </a:fld>
             <a:endParaRPr lang="zh-TW" altLang="en-US"/>
           </a:p>
@@ -1013,7 +1014,7 @@
           <a:p>
             <a:fld id="{50C4901D-F580-4495-8F7C-6A1D98C51058}" type="datetimeFigureOut">
               <a:rPr lang="zh-TW" altLang="en-US" smtClean="0"/>
-              <a:t>2019/12/1</a:t>
+              <a:t>2019/12/4</a:t>
             </a:fld>
             <a:endParaRPr lang="zh-TW" altLang="en-US"/>
           </a:p>
@@ -1245,7 +1246,7 @@
           <a:p>
             <a:fld id="{50C4901D-F580-4495-8F7C-6A1D98C51058}" type="datetimeFigureOut">
               <a:rPr lang="zh-TW" altLang="en-US" smtClean="0"/>
-              <a:t>2019/12/1</a:t>
+              <a:t>2019/12/4</a:t>
             </a:fld>
             <a:endParaRPr lang="zh-TW" altLang="en-US"/>
           </a:p>
@@ -1612,7 +1613,7 @@
           <a:p>
             <a:fld id="{50C4901D-F580-4495-8F7C-6A1D98C51058}" type="datetimeFigureOut">
               <a:rPr lang="zh-TW" altLang="en-US" smtClean="0"/>
-              <a:t>2019/12/1</a:t>
+              <a:t>2019/12/4</a:t>
             </a:fld>
             <a:endParaRPr lang="zh-TW" altLang="en-US"/>
           </a:p>
@@ -1730,7 +1731,7 @@
           <a:p>
             <a:fld id="{50C4901D-F580-4495-8F7C-6A1D98C51058}" type="datetimeFigureOut">
               <a:rPr lang="zh-TW" altLang="en-US" smtClean="0"/>
-              <a:t>2019/12/1</a:t>
+              <a:t>2019/12/4</a:t>
             </a:fld>
             <a:endParaRPr lang="zh-TW" altLang="en-US"/>
           </a:p>
@@ -1825,7 +1826,7 @@
           <a:p>
             <a:fld id="{50C4901D-F580-4495-8F7C-6A1D98C51058}" type="datetimeFigureOut">
               <a:rPr lang="zh-TW" altLang="en-US" smtClean="0"/>
-              <a:t>2019/12/1</a:t>
+              <a:t>2019/12/4</a:t>
             </a:fld>
             <a:endParaRPr lang="zh-TW" altLang="en-US"/>
           </a:p>
@@ -2102,7 +2103,7 @@
           <a:p>
             <a:fld id="{50C4901D-F580-4495-8F7C-6A1D98C51058}" type="datetimeFigureOut">
               <a:rPr lang="zh-TW" altLang="en-US" smtClean="0"/>
-              <a:t>2019/12/1</a:t>
+              <a:t>2019/12/4</a:t>
             </a:fld>
             <a:endParaRPr lang="zh-TW" altLang="en-US"/>
           </a:p>
@@ -2355,7 +2356,7 @@
           <a:p>
             <a:fld id="{50C4901D-F580-4495-8F7C-6A1D98C51058}" type="datetimeFigureOut">
               <a:rPr lang="zh-TW" altLang="en-US" smtClean="0"/>
-              <a:t>2019/12/1</a:t>
+              <a:t>2019/12/4</a:t>
             </a:fld>
             <a:endParaRPr lang="zh-TW" altLang="en-US"/>
           </a:p>
@@ -2568,7 +2569,7 @@
           <a:p>
             <a:fld id="{50C4901D-F580-4495-8F7C-6A1D98C51058}" type="datetimeFigureOut">
               <a:rPr lang="zh-TW" altLang="en-US" smtClean="0"/>
-              <a:t>2019/12/1</a:t>
+              <a:t>2019/12/4</a:t>
             </a:fld>
             <a:endParaRPr lang="zh-TW" altLang="en-US"/>
           </a:p>
@@ -3603,8 +3604,8 @@
           </a:fontRef>
         </p:style>
       </p:cxnSp>
-      <mc:AlternateContent xmlns:mc="http://schemas.openxmlformats.org/markup-compatibility/2006">
-        <mc:Choice xmlns:a14="http://schemas.microsoft.com/office/drawing/2010/main" Requires="a14">
+      <mc:AlternateContent xmlns:mc="http://schemas.openxmlformats.org/markup-compatibility/2006" xmlns:a14="http://schemas.microsoft.com/office/drawing/2010/main">
+        <mc:Choice Requires="a14">
           <p:sp>
             <p:nvSpPr>
               <p:cNvPr id="19" name="文字方塊 18"/>
@@ -3745,7 +3746,7 @@
             </p:txBody>
           </p:sp>
         </mc:Choice>
-        <mc:Fallback>
+        <mc:Fallback xmlns="">
           <p:sp>
             <p:nvSpPr>
               <p:cNvPr id="19" name="文字方塊 18"/>
@@ -3791,8 +3792,8 @@
           </p:sp>
         </mc:Fallback>
       </mc:AlternateContent>
-      <mc:AlternateContent xmlns:mc="http://schemas.openxmlformats.org/markup-compatibility/2006">
-        <mc:Choice xmlns:a14="http://schemas.microsoft.com/office/drawing/2010/main" Requires="a14">
+      <mc:AlternateContent xmlns:mc="http://schemas.openxmlformats.org/markup-compatibility/2006" xmlns:a14="http://schemas.microsoft.com/office/drawing/2010/main">
+        <mc:Choice Requires="a14">
           <p:sp>
             <p:nvSpPr>
               <p:cNvPr id="20" name="文字方塊 19"/>
@@ -3863,7 +3864,7 @@
             </p:txBody>
           </p:sp>
         </mc:Choice>
-        <mc:Fallback>
+        <mc:Fallback xmlns="">
           <p:sp>
             <p:nvSpPr>
               <p:cNvPr id="20" name="文字方塊 19"/>
@@ -3909,8 +3910,8 @@
           </p:sp>
         </mc:Fallback>
       </mc:AlternateContent>
-      <mc:AlternateContent xmlns:mc="http://schemas.openxmlformats.org/markup-compatibility/2006">
-        <mc:Choice xmlns:a14="http://schemas.microsoft.com/office/drawing/2010/main" Requires="a14">
+      <mc:AlternateContent xmlns:mc="http://schemas.openxmlformats.org/markup-compatibility/2006" xmlns:a14="http://schemas.microsoft.com/office/drawing/2010/main">
+        <mc:Choice Requires="a14">
           <p:sp>
             <p:nvSpPr>
               <p:cNvPr id="21" name="文字方塊 20"/>
@@ -3971,7 +3972,7 @@
             </p:txBody>
           </p:sp>
         </mc:Choice>
-        <mc:Fallback>
+        <mc:Fallback xmlns="">
           <p:sp>
             <p:nvSpPr>
               <p:cNvPr id="21" name="文字方塊 20"/>
@@ -4376,8 +4377,8 @@
           </a:fontRef>
         </p:style>
       </p:cxnSp>
-      <mc:AlternateContent xmlns:mc="http://schemas.openxmlformats.org/markup-compatibility/2006">
-        <mc:Choice xmlns:a14="http://schemas.microsoft.com/office/drawing/2010/main" Requires="a14">
+      <mc:AlternateContent xmlns:mc="http://schemas.openxmlformats.org/markup-compatibility/2006" xmlns:a14="http://schemas.microsoft.com/office/drawing/2010/main">
+        <mc:Choice Requires="a14">
           <p:sp>
             <p:nvSpPr>
               <p:cNvPr id="38" name="文字方塊 37"/>
@@ -4469,7 +4470,7 @@
             </p:txBody>
           </p:sp>
         </mc:Choice>
-        <mc:Fallback>
+        <mc:Fallback xmlns="">
           <p:sp>
             <p:nvSpPr>
               <p:cNvPr id="38" name="文字方塊 37"/>
@@ -4516,8 +4517,8 @@
           </p:sp>
         </mc:Fallback>
       </mc:AlternateContent>
-      <mc:AlternateContent xmlns:mc="http://schemas.openxmlformats.org/markup-compatibility/2006">
-        <mc:Choice xmlns:a14="http://schemas.microsoft.com/office/drawing/2010/main" Requires="a14">
+      <mc:AlternateContent xmlns:mc="http://schemas.openxmlformats.org/markup-compatibility/2006" xmlns:a14="http://schemas.microsoft.com/office/drawing/2010/main">
+        <mc:Choice Requires="a14">
           <p:sp>
             <p:nvSpPr>
               <p:cNvPr id="18" name="文字方塊 17"/>
@@ -4609,7 +4610,7 @@
             </p:txBody>
           </p:sp>
         </mc:Choice>
-        <mc:Fallback>
+        <mc:Fallback xmlns="">
           <p:sp>
             <p:nvSpPr>
               <p:cNvPr id="18" name="文字方塊 17"/>
@@ -4912,8 +4913,8 @@
           </a:fontRef>
         </p:style>
       </p:cxnSp>
-      <mc:AlternateContent xmlns:mc="http://schemas.openxmlformats.org/markup-compatibility/2006">
-        <mc:Choice xmlns:a14="http://schemas.microsoft.com/office/drawing/2010/main" Requires="a14">
+      <mc:AlternateContent xmlns:mc="http://schemas.openxmlformats.org/markup-compatibility/2006" xmlns:a14="http://schemas.microsoft.com/office/drawing/2010/main">
+        <mc:Choice Requires="a14">
           <p:sp>
             <p:nvSpPr>
               <p:cNvPr id="71" name="文字方塊 70"/>
@@ -4975,7 +4976,7 @@
             </p:txBody>
           </p:sp>
         </mc:Choice>
-        <mc:Fallback>
+        <mc:Fallback xmlns="">
           <p:sp>
             <p:nvSpPr>
               <p:cNvPr id="71" name="文字方塊 70"/>
@@ -5100,8 +5101,8 @@
           </a:fontRef>
         </p:style>
       </p:cxnSp>
-      <mc:AlternateContent xmlns:mc="http://schemas.openxmlformats.org/markup-compatibility/2006">
-        <mc:Choice xmlns:a14="http://schemas.microsoft.com/office/drawing/2010/main" Requires="a14">
+      <mc:AlternateContent xmlns:mc="http://schemas.openxmlformats.org/markup-compatibility/2006" xmlns:a14="http://schemas.microsoft.com/office/drawing/2010/main">
+        <mc:Choice Requires="a14">
           <p:sp>
             <p:nvSpPr>
               <p:cNvPr id="89" name="文字方塊 88"/>
@@ -5170,7 +5171,7 @@
             </p:txBody>
           </p:sp>
         </mc:Choice>
-        <mc:Fallback>
+        <mc:Fallback xmlns="">
           <p:sp>
             <p:nvSpPr>
               <p:cNvPr id="89" name="文字方塊 88"/>
@@ -5253,8 +5254,8 @@
           </a:fontRef>
         </p:style>
       </p:cxnSp>
-      <mc:AlternateContent xmlns:mc="http://schemas.openxmlformats.org/markup-compatibility/2006">
-        <mc:Choice xmlns:a14="http://schemas.microsoft.com/office/drawing/2010/main" Requires="a14">
+      <mc:AlternateContent xmlns:mc="http://schemas.openxmlformats.org/markup-compatibility/2006" xmlns:a14="http://schemas.microsoft.com/office/drawing/2010/main">
+        <mc:Choice Requires="a14">
           <p:sp>
             <p:nvSpPr>
               <p:cNvPr id="94" name="文字方塊 93"/>
@@ -5313,7 +5314,7 @@
             </p:txBody>
           </p:sp>
         </mc:Choice>
-        <mc:Fallback>
+        <mc:Fallback xmlns="">
           <p:sp>
             <p:nvSpPr>
               <p:cNvPr id="94" name="文字方塊 93"/>
@@ -5357,8 +5358,8 @@
           </p:sp>
         </mc:Fallback>
       </mc:AlternateContent>
-      <mc:AlternateContent xmlns:mc="http://schemas.openxmlformats.org/markup-compatibility/2006">
-        <mc:Choice xmlns:a14="http://schemas.microsoft.com/office/drawing/2010/main" Requires="a14">
+      <mc:AlternateContent xmlns:mc="http://schemas.openxmlformats.org/markup-compatibility/2006" xmlns:a14="http://schemas.microsoft.com/office/drawing/2010/main">
+        <mc:Choice Requires="a14">
           <p:sp>
             <p:nvSpPr>
               <p:cNvPr id="98" name="文字方塊 97"/>
@@ -5435,7 +5436,7 @@
             </p:txBody>
           </p:sp>
         </mc:Choice>
-        <mc:Fallback>
+        <mc:Fallback xmlns="">
           <p:sp>
             <p:nvSpPr>
               <p:cNvPr id="98" name="文字方塊 97"/>
@@ -5482,8 +5483,8 @@
           </p:sp>
         </mc:Fallback>
       </mc:AlternateContent>
-      <mc:AlternateContent xmlns:mc="http://schemas.openxmlformats.org/markup-compatibility/2006">
-        <mc:Choice xmlns:a14="http://schemas.microsoft.com/office/drawing/2010/main" Requires="a14">
+      <mc:AlternateContent xmlns:mc="http://schemas.openxmlformats.org/markup-compatibility/2006" xmlns:a14="http://schemas.microsoft.com/office/drawing/2010/main">
+        <mc:Choice Requires="a14">
           <p:sp>
             <p:nvSpPr>
               <p:cNvPr id="124" name="文字方塊 123"/>
@@ -5555,7 +5556,7 @@
             </p:txBody>
           </p:sp>
         </mc:Choice>
-        <mc:Fallback>
+        <mc:Fallback xmlns="">
           <p:sp>
             <p:nvSpPr>
               <p:cNvPr id="124" name="文字方塊 123"/>
@@ -5715,8 +5716,8 @@
           </a:fontRef>
         </p:style>
       </p:cxnSp>
-      <mc:AlternateContent xmlns:mc="http://schemas.openxmlformats.org/markup-compatibility/2006">
-        <mc:Choice xmlns:a14="http://schemas.microsoft.com/office/drawing/2010/main" Requires="a14">
+      <mc:AlternateContent xmlns:mc="http://schemas.openxmlformats.org/markup-compatibility/2006" xmlns:a14="http://schemas.microsoft.com/office/drawing/2010/main">
+        <mc:Choice Requires="a14">
           <p:sp>
             <p:nvSpPr>
               <p:cNvPr id="148" name="文字方塊 147"/>
@@ -5775,7 +5776,7 @@
             </p:txBody>
           </p:sp>
         </mc:Choice>
-        <mc:Fallback>
+        <mc:Fallback xmlns="">
           <p:sp>
             <p:nvSpPr>
               <p:cNvPr id="148" name="文字方塊 147"/>
@@ -5938,13 +5939,6 @@
               </a:rPr>
               <a:t>更新權重</a:t>
             </a:r>
-            <a:endParaRPr lang="zh-TW" altLang="en-US" sz="2800" dirty="0">
-              <a:solidFill>
-                <a:schemeClr val="bg1"/>
-              </a:solidFill>
-              <a:latin typeface="Source Code Pro" panose="020B0509030403020204" pitchFamily="49" charset="0"/>
-              <a:ea typeface="Noto Sans CJK TC Regular" panose="020B0500000000000000" pitchFamily="34" charset="-120"/>
-            </a:endParaRPr>
           </a:p>
         </p:txBody>
       </p:sp>
@@ -6180,8 +6174,8 @@
           </a:fontRef>
         </p:style>
       </p:cxnSp>
-      <mc:AlternateContent xmlns:mc="http://schemas.openxmlformats.org/markup-compatibility/2006">
-        <mc:Choice xmlns:a14="http://schemas.microsoft.com/office/drawing/2010/main" Requires="a14">
+      <mc:AlternateContent xmlns:mc="http://schemas.openxmlformats.org/markup-compatibility/2006" xmlns:a14="http://schemas.microsoft.com/office/drawing/2010/main">
+        <mc:Choice Requires="a14">
           <p:sp>
             <p:nvSpPr>
               <p:cNvPr id="10" name="文字方塊 9"/>
@@ -6273,7 +6267,7 @@
             </p:txBody>
           </p:sp>
         </mc:Choice>
-        <mc:Fallback>
+        <mc:Fallback xmlns="">
           <p:sp>
             <p:nvSpPr>
               <p:cNvPr id="10" name="文字方塊 9"/>
@@ -6540,8 +6534,8 @@
           </a:fontRef>
         </p:style>
       </p:cxnSp>
-      <mc:AlternateContent xmlns:mc="http://schemas.openxmlformats.org/markup-compatibility/2006">
-        <mc:Choice xmlns:a14="http://schemas.microsoft.com/office/drawing/2010/main" Requires="a14">
+      <mc:AlternateContent xmlns:mc="http://schemas.openxmlformats.org/markup-compatibility/2006" xmlns:a14="http://schemas.microsoft.com/office/drawing/2010/main">
+        <mc:Choice Requires="a14">
           <p:sp>
             <p:nvSpPr>
               <p:cNvPr id="17" name="文字方塊 16"/>
@@ -6603,7 +6597,7 @@
             </p:txBody>
           </p:sp>
         </mc:Choice>
-        <mc:Fallback>
+        <mc:Fallback xmlns="">
           <p:sp>
             <p:nvSpPr>
               <p:cNvPr id="17" name="文字方塊 16"/>
@@ -6728,8 +6722,8 @@
           </a:fontRef>
         </p:style>
       </p:cxnSp>
-      <mc:AlternateContent xmlns:mc="http://schemas.openxmlformats.org/markup-compatibility/2006">
-        <mc:Choice xmlns:a14="http://schemas.microsoft.com/office/drawing/2010/main" Requires="a14">
+      <mc:AlternateContent xmlns:mc="http://schemas.openxmlformats.org/markup-compatibility/2006" xmlns:a14="http://schemas.microsoft.com/office/drawing/2010/main">
+        <mc:Choice Requires="a14">
           <p:sp>
             <p:nvSpPr>
               <p:cNvPr id="20" name="文字方塊 19"/>
@@ -6798,7 +6792,7 @@
             </p:txBody>
           </p:sp>
         </mc:Choice>
-        <mc:Fallback>
+        <mc:Fallback xmlns="">
           <p:sp>
             <p:nvSpPr>
               <p:cNvPr id="20" name="文字方塊 19"/>
@@ -6881,8 +6875,8 @@
           </a:fontRef>
         </p:style>
       </p:cxnSp>
-      <mc:AlternateContent xmlns:mc="http://schemas.openxmlformats.org/markup-compatibility/2006">
-        <mc:Choice xmlns:a14="http://schemas.microsoft.com/office/drawing/2010/main" Requires="a14">
+      <mc:AlternateContent xmlns:mc="http://schemas.openxmlformats.org/markup-compatibility/2006" xmlns:a14="http://schemas.microsoft.com/office/drawing/2010/main">
+        <mc:Choice Requires="a14">
           <p:sp>
             <p:nvSpPr>
               <p:cNvPr id="22" name="文字方塊 21"/>
@@ -6941,7 +6935,7 @@
             </p:txBody>
           </p:sp>
         </mc:Choice>
-        <mc:Fallback>
+        <mc:Fallback xmlns="">
           <p:sp>
             <p:nvSpPr>
               <p:cNvPr id="22" name="文字方塊 21"/>
@@ -7293,8 +7287,8 @@
           </a:fontRef>
         </p:style>
       </p:cxnSp>
-      <mc:AlternateContent xmlns:mc="http://schemas.openxmlformats.org/markup-compatibility/2006">
-        <mc:Choice xmlns:a14="http://schemas.microsoft.com/office/drawing/2010/main" Requires="a14">
+      <mc:AlternateContent xmlns:mc="http://schemas.openxmlformats.org/markup-compatibility/2006" xmlns:a14="http://schemas.microsoft.com/office/drawing/2010/main">
+        <mc:Choice Requires="a14">
           <p:sp>
             <p:nvSpPr>
               <p:cNvPr id="9" name="文字方塊 8"/>
@@ -7386,7 +7380,7 @@
             </p:txBody>
           </p:sp>
         </mc:Choice>
-        <mc:Fallback>
+        <mc:Fallback xmlns="">
           <p:sp>
             <p:nvSpPr>
               <p:cNvPr id="9" name="文字方塊 8"/>
@@ -7469,8 +7463,8 @@
           </a:fontRef>
         </p:style>
       </p:cxnSp>
-      <mc:AlternateContent xmlns:mc="http://schemas.openxmlformats.org/markup-compatibility/2006">
-        <mc:Choice xmlns:a14="http://schemas.microsoft.com/office/drawing/2010/main" Requires="a14">
+      <mc:AlternateContent xmlns:mc="http://schemas.openxmlformats.org/markup-compatibility/2006" xmlns:a14="http://schemas.microsoft.com/office/drawing/2010/main">
+        <mc:Choice Requires="a14">
           <p:sp>
             <p:nvSpPr>
               <p:cNvPr id="23" name="文字方塊 22"/>
@@ -7547,7 +7541,7 @@
             </p:txBody>
           </p:sp>
         </mc:Choice>
-        <mc:Fallback>
+        <mc:Fallback xmlns="">
           <p:sp>
             <p:nvSpPr>
               <p:cNvPr id="23" name="文字方塊 22"/>
@@ -7594,8 +7588,8 @@
           </p:sp>
         </mc:Fallback>
       </mc:AlternateContent>
-      <mc:AlternateContent xmlns:mc="http://schemas.openxmlformats.org/markup-compatibility/2006">
-        <mc:Choice xmlns:a14="http://schemas.microsoft.com/office/drawing/2010/main" Requires="a14">
+      <mc:AlternateContent xmlns:mc="http://schemas.openxmlformats.org/markup-compatibility/2006" xmlns:a14="http://schemas.microsoft.com/office/drawing/2010/main">
+        <mc:Choice Requires="a14">
           <p:sp>
             <p:nvSpPr>
               <p:cNvPr id="24" name="文字方塊 23"/>
@@ -7667,7 +7661,7 @@
             </p:txBody>
           </p:sp>
         </mc:Choice>
-        <mc:Fallback>
+        <mc:Fallback xmlns="">
           <p:sp>
             <p:nvSpPr>
               <p:cNvPr id="24" name="文字方塊 23"/>
@@ -7985,8 +7979,8 @@
           </a:fontRef>
         </p:style>
       </p:cxnSp>
-      <mc:AlternateContent xmlns:mc="http://schemas.openxmlformats.org/markup-compatibility/2006">
-        <mc:Choice xmlns:a14="http://schemas.microsoft.com/office/drawing/2010/main" Requires="a14">
+      <mc:AlternateContent xmlns:mc="http://schemas.openxmlformats.org/markup-compatibility/2006" xmlns:a14="http://schemas.microsoft.com/office/drawing/2010/main">
+        <mc:Choice Requires="a14">
           <p:sp>
             <p:nvSpPr>
               <p:cNvPr id="2" name="文字方塊 1"/>
@@ -8063,7 +8057,7 @@
             </p:txBody>
           </p:sp>
         </mc:Choice>
-        <mc:Fallback>
+        <mc:Fallback xmlns="">
           <p:sp>
             <p:nvSpPr>
               <p:cNvPr id="2" name="文字方塊 1"/>
@@ -8161,8 +8155,8 @@
           </a:p>
         </p:txBody>
       </p:sp>
-      <mc:AlternateContent xmlns:mc="http://schemas.openxmlformats.org/markup-compatibility/2006">
-        <mc:Choice xmlns:a14="http://schemas.microsoft.com/office/drawing/2010/main" Requires="a14">
+      <mc:AlternateContent xmlns:mc="http://schemas.openxmlformats.org/markup-compatibility/2006" xmlns:a14="http://schemas.microsoft.com/office/drawing/2010/main">
+        <mc:Choice Requires="a14">
           <p:sp>
             <p:nvSpPr>
               <p:cNvPr id="5" name="文字方塊 4"/>
@@ -8221,7 +8215,7 @@
             </p:txBody>
           </p:sp>
         </mc:Choice>
-        <mc:Fallback>
+        <mc:Fallback xmlns="">
           <p:sp>
             <p:nvSpPr>
               <p:cNvPr id="5" name="文字方塊 4"/>
@@ -8357,13 +8351,6 @@
               </a:rPr>
               <a:t>更新權重</a:t>
             </a:r>
-            <a:endParaRPr lang="zh-TW" altLang="en-US" sz="2800" dirty="0">
-              <a:solidFill>
-                <a:schemeClr val="bg1"/>
-              </a:solidFill>
-              <a:latin typeface="Source Code Pro" panose="020B0509030403020204" pitchFamily="49" charset="0"/>
-              <a:ea typeface="Noto Sans CJK TC Regular" panose="020B0500000000000000" pitchFamily="34" charset="-120"/>
-            </a:endParaRPr>
           </a:p>
         </p:txBody>
       </p:sp>
@@ -8418,10 +8405,6 @@
               </a:rPr>
               <a:t>目標網路</a:t>
             </a:r>
-            <a:endParaRPr lang="zh-TW" altLang="en-US" sz="3000" dirty="0">
-              <a:latin typeface="Source Code Pro" panose="020B0509030403020204" pitchFamily="49" charset="0"/>
-              <a:ea typeface="Noto Sans CJK TC Regular" panose="020B0500000000000000" pitchFamily="34" charset="-120"/>
-            </a:endParaRPr>
           </a:p>
         </p:txBody>
       </p:sp>
@@ -8473,13 +8456,6 @@
               </a:rPr>
               <a:t>權重</a:t>
             </a:r>
-            <a:endParaRPr lang="zh-TW" altLang="en-US" sz="2800" dirty="0">
-              <a:solidFill>
-                <a:schemeClr val="bg1"/>
-              </a:solidFill>
-              <a:latin typeface="Source Code Pro" panose="020B0509030403020204" pitchFamily="49" charset="0"/>
-              <a:ea typeface="Noto Sans CJK TC Regular" panose="020B0500000000000000" pitchFamily="34" charset="-120"/>
-            </a:endParaRPr>
           </a:p>
         </p:txBody>
       </p:sp>
@@ -8487,6 +8463,284 @@
     <p:extLst>
       <p:ext uri="{BB962C8B-B14F-4D97-AF65-F5344CB8AC3E}">
         <p14:creationId xmlns:p14="http://schemas.microsoft.com/office/powerpoint/2010/main" val="2054152690"/>
+      </p:ext>
+    </p:extLst>
+  </p:cSld>
+  <p:clrMapOvr>
+    <a:masterClrMapping/>
+  </p:clrMapOvr>
+</p:sld>
+</file>
+
+<file path=ppt/slides/slide6.xml><?xml version="1.0" encoding="utf-8"?>
+<p:sld xmlns:a="http://schemas.openxmlformats.org/drawingml/2006/main" xmlns:r="http://schemas.openxmlformats.org/officeDocument/2006/relationships" xmlns:p="http://schemas.openxmlformats.org/presentationml/2006/main">
+  <p:cSld>
+    <p:bg>
+      <p:bgPr>
+        <a:solidFill>
+          <a:schemeClr val="tx1">
+            <a:lumMod val="85000"/>
+            <a:lumOff val="15000"/>
+          </a:schemeClr>
+        </a:solidFill>
+        <a:effectLst/>
+      </p:bgPr>
+    </p:bg>
+    <p:spTree>
+      <p:nvGrpSpPr>
+        <p:cNvPr id="1" name=""/>
+        <p:cNvGrpSpPr/>
+        <p:nvPr/>
+      </p:nvGrpSpPr>
+      <p:grpSpPr>
+        <a:xfrm>
+          <a:off x="0" y="0"/>
+          <a:ext cx="0" cy="0"/>
+          <a:chOff x="0" y="0"/>
+          <a:chExt cx="0" cy="0"/>
+        </a:xfrm>
+      </p:grpSpPr>
+      <mc:AlternateContent xmlns:mc="http://schemas.openxmlformats.org/markup-compatibility/2006">
+        <mc:Choice xmlns:a14="http://schemas.microsoft.com/office/drawing/2010/main" Requires="a14">
+          <p:sp>
+            <p:nvSpPr>
+              <p:cNvPr id="2" name="文字方塊 1"/>
+              <p:cNvSpPr txBox="1"/>
+              <p:nvPr/>
+            </p:nvSpPr>
+            <p:spPr>
+              <a:xfrm>
+                <a:off x="3444363" y="2612345"/>
+                <a:ext cx="4181921" cy="1437125"/>
+              </a:xfrm>
+              <a:prstGeom prst="rect">
+                <a:avLst/>
+              </a:prstGeom>
+              <a:noFill/>
+              <a:ln w="38100">
+                <a:noFill/>
+              </a:ln>
+            </p:spPr>
+            <p:txBody>
+              <a:bodyPr wrap="square" rtlCol="0">
+                <a:spAutoFit/>
+              </a:bodyPr>
+              <a:lstStyle/>
+              <a:p>
+                <a:pPr algn="ctr"/>
+                <a14:m>
+                  <m:oMathPara xmlns:m="http://schemas.openxmlformats.org/officeDocument/2006/math">
+                    <m:oMathParaPr>
+                      <m:jc m:val="right"/>
+                    </m:oMathParaPr>
+                    <m:oMath xmlns:m="http://schemas.openxmlformats.org/officeDocument/2006/math">
+                      <m:nary>
+                        <m:naryPr>
+                          <m:chr m:val="∑"/>
+                          <m:supHide m:val="on"/>
+                          <m:ctrlPr>
+                            <a:rPr lang="en-US" altLang="zh-TW" sz="3600" b="0" i="1" dirty="0" smtClean="0">
+                              <a:solidFill>
+                                <a:schemeClr val="bg1"/>
+                              </a:solidFill>
+                              <a:latin typeface="Cambria Math" panose="02040503050406030204" pitchFamily="18" charset="0"/>
+                              <a:ea typeface="Noto Sans CJK TC Regular" panose="020B0500000000000000" pitchFamily="34" charset="-120"/>
+                            </a:rPr>
+                          </m:ctrlPr>
+                        </m:naryPr>
+                        <m:sub>
+                          <m:r>
+                            <m:rPr>
+                              <m:brk m:alnAt="7"/>
+                            </m:rPr>
+                            <a:rPr lang="en-US" altLang="zh-TW" sz="3600" b="0" i="1" dirty="0" smtClean="0">
+                              <a:solidFill>
+                                <a:schemeClr val="bg1"/>
+                              </a:solidFill>
+                              <a:latin typeface="Cambria Math" panose="02040503050406030204" pitchFamily="18" charset="0"/>
+                              <a:ea typeface="Noto Sans CJK TC Regular" panose="020B0500000000000000" pitchFamily="34" charset="-120"/>
+                            </a:rPr>
+                            <m:t>𝑖</m:t>
+                          </m:r>
+                          <m:r>
+                            <a:rPr lang="en-US" altLang="zh-TW" sz="3600" b="0" i="1" dirty="0" smtClean="0">
+                              <a:solidFill>
+                                <a:schemeClr val="bg1"/>
+                              </a:solidFill>
+                              <a:latin typeface="Cambria Math" panose="02040503050406030204" pitchFamily="18" charset="0"/>
+                              <a:ea typeface="Noto Sans CJK TC Regular" panose="020B0500000000000000" pitchFamily="34" charset="-120"/>
+                            </a:rPr>
+                            <m:t>=0</m:t>
+                          </m:r>
+                        </m:sub>
+                        <m:sup/>
+                        <m:e>
+                          <m:sSub>
+                            <m:sSubPr>
+                              <m:ctrlPr>
+                                <a:rPr lang="en-US" altLang="zh-TW" sz="3600" b="0" i="1" dirty="0" smtClean="0">
+                                  <a:solidFill>
+                                    <a:schemeClr val="bg1"/>
+                                  </a:solidFill>
+                                  <a:latin typeface="Cambria Math" panose="02040503050406030204" pitchFamily="18" charset="0"/>
+                                  <a:ea typeface="Noto Sans CJK TC Regular" panose="020B0500000000000000" pitchFamily="34" charset="-120"/>
+                                </a:rPr>
+                              </m:ctrlPr>
+                            </m:sSubPr>
+                            <m:e>
+                              <m:r>
+                                <a:rPr lang="en-US" altLang="zh-TW" sz="3600" i="1" dirty="0">
+                                  <a:solidFill>
+                                    <a:schemeClr val="bg1"/>
+                                  </a:solidFill>
+                                  <a:latin typeface="Cambria Math" panose="02040503050406030204" pitchFamily="18" charset="0"/>
+                                  <a:ea typeface="Noto Sans CJK TC Regular" panose="020B0500000000000000" pitchFamily="34" charset="-120"/>
+                                </a:rPr>
+                                <m:t>𝑅𝑒𝑤𝑎𝑟𝑑</m:t>
+                              </m:r>
+                            </m:e>
+                            <m:sub>
+                              <m:r>
+                                <a:rPr lang="en-US" altLang="zh-TW" sz="3600" b="0" i="1" dirty="0" smtClean="0">
+                                  <a:solidFill>
+                                    <a:schemeClr val="bg1"/>
+                                  </a:solidFill>
+                                  <a:latin typeface="Cambria Math" panose="02040503050406030204" pitchFamily="18" charset="0"/>
+                                  <a:ea typeface="Noto Sans CJK TC Regular" panose="020B0500000000000000" pitchFamily="34" charset="-120"/>
+                                </a:rPr>
+                                <m:t>𝑡</m:t>
+                              </m:r>
+                              <m:r>
+                                <a:rPr lang="en-US" altLang="zh-TW" sz="3600" b="0" i="1" dirty="0" smtClean="0">
+                                  <a:solidFill>
+                                    <a:schemeClr val="bg1"/>
+                                  </a:solidFill>
+                                  <a:latin typeface="Cambria Math" panose="02040503050406030204" pitchFamily="18" charset="0"/>
+                                  <a:ea typeface="Noto Sans CJK TC Regular" panose="020B0500000000000000" pitchFamily="34" charset="-120"/>
+                                </a:rPr>
+                                <m:t>+</m:t>
+                              </m:r>
+                              <m:r>
+                                <a:rPr lang="en-US" altLang="zh-TW" sz="3600" b="0" i="1" dirty="0" smtClean="0">
+                                  <a:solidFill>
+                                    <a:schemeClr val="bg1"/>
+                                  </a:solidFill>
+                                  <a:latin typeface="Cambria Math" panose="02040503050406030204" pitchFamily="18" charset="0"/>
+                                  <a:ea typeface="Noto Sans CJK TC Regular" panose="020B0500000000000000" pitchFamily="34" charset="-120"/>
+                                </a:rPr>
+                                <m:t>𝑖</m:t>
+                              </m:r>
+                            </m:sub>
+                          </m:sSub>
+                          <m:r>
+                            <a:rPr lang="en-US" altLang="zh-TW" sz="3600" i="1" dirty="0">
+                              <a:solidFill>
+                                <a:schemeClr val="bg1"/>
+                              </a:solidFill>
+                              <a:latin typeface="Cambria Math" panose="02040503050406030204" pitchFamily="18" charset="0"/>
+                              <a:ea typeface="Noto Sans CJK TC Regular" panose="020B0500000000000000" pitchFamily="34" charset="-120"/>
+                            </a:rPr>
+                            <m:t>×</m:t>
+                          </m:r>
+                          <m:sSup>
+                            <m:sSupPr>
+                              <m:ctrlPr>
+                                <a:rPr lang="en-US" altLang="zh-TW" sz="3600" i="1" dirty="0" smtClean="0">
+                                  <a:solidFill>
+                                    <a:schemeClr val="bg1"/>
+                                  </a:solidFill>
+                                  <a:latin typeface="Cambria Math" panose="02040503050406030204" pitchFamily="18" charset="0"/>
+                                  <a:ea typeface="Noto Sans CJK TC Regular" panose="020B0500000000000000" pitchFamily="34" charset="-120"/>
+                                </a:rPr>
+                              </m:ctrlPr>
+                            </m:sSupPr>
+                            <m:e>
+                              <m:r>
+                                <a:rPr lang="en-US" altLang="zh-TW" sz="3600" b="0" i="1" dirty="0" smtClean="0">
+                                  <a:solidFill>
+                                    <a:schemeClr val="bg1"/>
+                                  </a:solidFill>
+                                  <a:latin typeface="Cambria Math" panose="02040503050406030204" pitchFamily="18" charset="0"/>
+                                  <a:ea typeface="Noto Sans CJK TC Regular" panose="020B0500000000000000" pitchFamily="34" charset="-120"/>
+                                </a:rPr>
+                                <m:t>𝑔𝑎𝑚𝑚𝑎</m:t>
+                              </m:r>
+                            </m:e>
+                            <m:sup>
+                              <m:r>
+                                <a:rPr lang="en-US" altLang="zh-TW" sz="3600" b="0" i="1" dirty="0" smtClean="0">
+                                  <a:solidFill>
+                                    <a:schemeClr val="bg1"/>
+                                  </a:solidFill>
+                                  <a:latin typeface="Cambria Math" panose="02040503050406030204" pitchFamily="18" charset="0"/>
+                                  <a:ea typeface="Noto Sans CJK TC Regular" panose="020B0500000000000000" pitchFamily="34" charset="-120"/>
+                                </a:rPr>
+                                <m:t>𝑖</m:t>
+                              </m:r>
+                            </m:sup>
+                          </m:sSup>
+                        </m:e>
+                      </m:nary>
+                    </m:oMath>
+                  </m:oMathPara>
+                </a14:m>
+                <a:endParaRPr lang="en-US" altLang="zh-TW" sz="3600" b="0" dirty="0" smtClean="0">
+                  <a:solidFill>
+                    <a:schemeClr val="bg1"/>
+                  </a:solidFill>
+                  <a:latin typeface="Source Code Pro" panose="020B0509030403020204" pitchFamily="49" charset="0"/>
+                  <a:ea typeface="Noto Sans CJK TC Regular" panose="020B0500000000000000" pitchFamily="34" charset="-120"/>
+                </a:endParaRPr>
+              </a:p>
+            </p:txBody>
+          </p:sp>
+        </mc:Choice>
+        <mc:Fallback>
+          <p:sp>
+            <p:nvSpPr>
+              <p:cNvPr id="2" name="文字方塊 1"/>
+              <p:cNvSpPr txBox="1">
+                <a:spLocks noRot="1" noChangeAspect="1" noMove="1" noResize="1" noEditPoints="1" noAdjustHandles="1" noChangeArrowheads="1" noChangeShapeType="1" noTextEdit="1"/>
+              </p:cNvSpPr>
+              <p:nvPr/>
+            </p:nvSpPr>
+            <p:spPr>
+              <a:xfrm>
+                <a:off x="3444363" y="2612345"/>
+                <a:ext cx="4181921" cy="1437125"/>
+              </a:xfrm>
+              <a:prstGeom prst="rect">
+                <a:avLst/>
+              </a:prstGeom>
+              <a:blipFill>
+                <a:blip r:embed="rId2"/>
+                <a:stretch>
+                  <a:fillRect r="-22595"/>
+                </a:stretch>
+              </a:blipFill>
+              <a:ln w="38100">
+                <a:noFill/>
+              </a:ln>
+            </p:spPr>
+            <p:txBody>
+              <a:bodyPr/>
+              <a:lstStyle/>
+              <a:p>
+                <a:r>
+                  <a:rPr lang="zh-TW" altLang="en-US">
+                    <a:noFill/>
+                  </a:rPr>
+                  <a:t> </a:t>
+                </a:r>
+              </a:p>
+            </p:txBody>
+          </p:sp>
+        </mc:Fallback>
+      </mc:AlternateContent>
+    </p:spTree>
+    <p:extLst>
+      <p:ext uri="{BB962C8B-B14F-4D97-AF65-F5344CB8AC3E}">
+        <p14:creationId xmlns:p14="http://schemas.microsoft.com/office/powerpoint/2010/main" val="1905727547"/>
       </p:ext>
     </p:extLst>
   </p:cSld>
